--- a/module-9/Faison_M9_EstablishLearningCulture.pptx
+++ b/module-9/Faison_M9_EstablishLearningCulture.pptx
@@ -11,7 +11,9 @@
     <p:sldId id="260" r:id="rId5"/>
     <p:sldId id="261" r:id="rId6"/>
     <p:sldId id="262" r:id="rId7"/>
-    <p:sldId id="257" r:id="rId8"/>
+    <p:sldId id="263" r:id="rId8"/>
+    <p:sldId id="264" r:id="rId9"/>
+    <p:sldId id="257" r:id="rId10"/>
   </p:sldIdLst>
   <p:sldSz cx="12192000" cy="6858000"/>
   <p:notesSz cx="6858000" cy="9144000"/>
@@ -304,7 +306,7 @@
           <a:p>
             <a:fld id="{5A8263FE-CC41-4A93-815E-5F9A811EE412}" type="datetimeFigureOut">
               <a:rPr lang="en-US" smtClean="0"/>
-              <a:t>9/24/2025</a:t>
+              <a:t>9/27/2025</a:t>
             </a:fld>
             <a:endParaRPr lang="en-US"/>
           </a:p>
@@ -579,7 +581,7 @@
           <a:p>
             <a:fld id="{5A8263FE-CC41-4A93-815E-5F9A811EE412}" type="datetimeFigureOut">
               <a:rPr lang="en-US" smtClean="0"/>
-              <a:t>9/24/2025</a:t>
+              <a:t>9/27/2025</a:t>
             </a:fld>
             <a:endParaRPr lang="en-US"/>
           </a:p>
@@ -773,7 +775,7 @@
           <a:p>
             <a:fld id="{5A8263FE-CC41-4A93-815E-5F9A811EE412}" type="datetimeFigureOut">
               <a:rPr lang="en-US" smtClean="0"/>
-              <a:t>9/24/2025</a:t>
+              <a:t>9/27/2025</a:t>
             </a:fld>
             <a:endParaRPr lang="en-US"/>
           </a:p>
@@ -1046,7 +1048,7 @@
           <a:p>
             <a:fld id="{5A8263FE-CC41-4A93-815E-5F9A811EE412}" type="datetimeFigureOut">
               <a:rPr lang="en-US" smtClean="0"/>
-              <a:t>9/24/2025</a:t>
+              <a:t>9/27/2025</a:t>
             </a:fld>
             <a:endParaRPr lang="en-US"/>
           </a:p>
@@ -1387,7 +1389,7 @@
           <a:p>
             <a:fld id="{5A8263FE-CC41-4A93-815E-5F9A811EE412}" type="datetimeFigureOut">
               <a:rPr lang="en-US" smtClean="0"/>
-              <a:t>9/24/2025</a:t>
+              <a:t>9/27/2025</a:t>
             </a:fld>
             <a:endParaRPr lang="en-US"/>
           </a:p>
@@ -2010,7 +2012,7 @@
           <a:p>
             <a:fld id="{5A8263FE-CC41-4A93-815E-5F9A811EE412}" type="datetimeFigureOut">
               <a:rPr lang="en-US" smtClean="0"/>
-              <a:t>9/24/2025</a:t>
+              <a:t>9/27/2025</a:t>
             </a:fld>
             <a:endParaRPr lang="en-US"/>
           </a:p>
@@ -2870,7 +2872,7 @@
           <a:p>
             <a:fld id="{5A8263FE-CC41-4A93-815E-5F9A811EE412}" type="datetimeFigureOut">
               <a:rPr lang="en-US" smtClean="0"/>
-              <a:t>9/24/2025</a:t>
+              <a:t>9/27/2025</a:t>
             </a:fld>
             <a:endParaRPr lang="en-US"/>
           </a:p>
@@ -3040,7 +3042,7 @@
           <a:p>
             <a:fld id="{5A8263FE-CC41-4A93-815E-5F9A811EE412}" type="datetimeFigureOut">
               <a:rPr lang="en-US" smtClean="0"/>
-              <a:t>9/24/2025</a:t>
+              <a:t>9/27/2025</a:t>
             </a:fld>
             <a:endParaRPr lang="en-US"/>
           </a:p>
@@ -3220,7 +3222,7 @@
           <a:p>
             <a:fld id="{5A8263FE-CC41-4A93-815E-5F9A811EE412}" type="datetimeFigureOut">
               <a:rPr lang="en-US" smtClean="0"/>
-              <a:t>9/24/2025</a:t>
+              <a:t>9/27/2025</a:t>
             </a:fld>
             <a:endParaRPr lang="en-US"/>
           </a:p>
@@ -3390,7 +3392,7 @@
           <a:p>
             <a:fld id="{5A8263FE-CC41-4A93-815E-5F9A811EE412}" type="datetimeFigureOut">
               <a:rPr lang="en-US" smtClean="0"/>
-              <a:t>9/24/2025</a:t>
+              <a:t>9/27/2025</a:t>
             </a:fld>
             <a:endParaRPr lang="en-US"/>
           </a:p>
@@ -3637,7 +3639,7 @@
           <a:p>
             <a:fld id="{5A8263FE-CC41-4A93-815E-5F9A811EE412}" type="datetimeFigureOut">
               <a:rPr lang="en-US" smtClean="0"/>
-              <a:t>9/24/2025</a:t>
+              <a:t>9/27/2025</a:t>
             </a:fld>
             <a:endParaRPr lang="en-US"/>
           </a:p>
@@ -3929,7 +3931,7 @@
           <a:p>
             <a:fld id="{5A8263FE-CC41-4A93-815E-5F9A811EE412}" type="datetimeFigureOut">
               <a:rPr lang="en-US" smtClean="0"/>
-              <a:t>9/24/2025</a:t>
+              <a:t>9/27/2025</a:t>
             </a:fld>
             <a:endParaRPr lang="en-US"/>
           </a:p>
@@ -4373,7 +4375,7 @@
           <a:p>
             <a:fld id="{5A8263FE-CC41-4A93-815E-5F9A811EE412}" type="datetimeFigureOut">
               <a:rPr lang="en-US" smtClean="0"/>
-              <a:t>9/24/2025</a:t>
+              <a:t>9/27/2025</a:t>
             </a:fld>
             <a:endParaRPr lang="en-US"/>
           </a:p>
@@ -4491,7 +4493,7 @@
           <a:p>
             <a:fld id="{5A8263FE-CC41-4A93-815E-5F9A811EE412}" type="datetimeFigureOut">
               <a:rPr lang="en-US" smtClean="0"/>
-              <a:t>9/24/2025</a:t>
+              <a:t>9/27/2025</a:t>
             </a:fld>
             <a:endParaRPr lang="en-US"/>
           </a:p>
@@ -4586,7 +4588,7 @@
           <a:p>
             <a:fld id="{5A8263FE-CC41-4A93-815E-5F9A811EE412}" type="datetimeFigureOut">
               <a:rPr lang="en-US" smtClean="0"/>
-              <a:t>9/24/2025</a:t>
+              <a:t>9/27/2025</a:t>
             </a:fld>
             <a:endParaRPr lang="en-US"/>
           </a:p>
@@ -4865,7 +4867,7 @@
           <a:p>
             <a:fld id="{5A8263FE-CC41-4A93-815E-5F9A811EE412}" type="datetimeFigureOut">
               <a:rPr lang="en-US" smtClean="0"/>
-              <a:t>9/24/2025</a:t>
+              <a:t>9/27/2025</a:t>
             </a:fld>
             <a:endParaRPr lang="en-US"/>
           </a:p>
@@ -5140,7 +5142,7 @@
           <a:p>
             <a:fld id="{5A8263FE-CC41-4A93-815E-5F9A811EE412}" type="datetimeFigureOut">
               <a:rPr lang="en-US" smtClean="0"/>
-              <a:t>9/24/2025</a:t>
+              <a:t>9/27/2025</a:t>
             </a:fld>
             <a:endParaRPr lang="en-US"/>
           </a:p>
@@ -5569,7 +5571,7 @@
           <a:p>
             <a:fld id="{5A8263FE-CC41-4A93-815E-5F9A811EE412}" type="datetimeFigureOut">
               <a:rPr lang="en-US" smtClean="0"/>
-              <a:t>9/24/2025</a:t>
+              <a:t>9/27/2025</a:t>
             </a:fld>
             <a:endParaRPr lang="en-US"/>
           </a:p>
@@ -6245,8 +6247,8 @@
         </p:nvSpPr>
         <p:spPr>
           <a:xfrm>
-            <a:off x="1684421" y="1267326"/>
-            <a:ext cx="9820191" cy="5406190"/>
+            <a:off x="1684421" y="1556084"/>
+            <a:ext cx="9820191" cy="5117432"/>
           </a:xfrm>
         </p:spPr>
         <p:txBody>
@@ -6349,6 +6351,41 @@
           </a:prstGeom>
         </p:spPr>
       </p:pic>
+      <p:sp>
+        <p:nvSpPr>
+          <p:cNvPr id="3" name="TextBox 2">
+            <a:extLst>
+              <a:ext uri="{FF2B5EF4-FFF2-40B4-BE49-F238E27FC236}">
+                <a16:creationId xmlns:a16="http://schemas.microsoft.com/office/drawing/2014/main" id="{A3741564-3434-B124-70EA-EBCC25F283C7}"/>
+              </a:ext>
+            </a:extLst>
+          </p:cNvPr>
+          <p:cNvSpPr txBox="1"/>
+          <p:nvPr/>
+        </p:nvSpPr>
+        <p:spPr>
+          <a:xfrm>
+            <a:off x="593557" y="657726"/>
+            <a:ext cx="2727159" cy="646331"/>
+          </a:xfrm>
+          <a:prstGeom prst="rect">
+            <a:avLst/>
+          </a:prstGeom>
+          <a:noFill/>
+        </p:spPr>
+        <p:txBody>
+          <a:bodyPr wrap="square" rtlCol="0">
+            <a:spAutoFit/>
+          </a:bodyPr>
+          <a:lstStyle/>
+          <a:p>
+            <a:r>
+              <a:rPr lang="en-US" dirty="0"/>
+              <a:t>How Work Culture is more than it seems:</a:t>
+            </a:r>
+          </a:p>
+        </p:txBody>
+      </p:sp>
     </p:spTree>
     <p:extLst>
       <p:ext uri="{BB962C8B-B14F-4D97-AF65-F5344CB8AC3E}">
@@ -6428,7 +6465,43 @@
           <a:bodyPr/>
           <a:lstStyle/>
           <a:p>
-            <a:endParaRPr lang="en-US"/>
+            <a:r>
+              <a:rPr lang="en-US" dirty="0"/>
+              <a:t>Increases incident and near miss reporting</a:t>
+            </a:r>
+          </a:p>
+          <a:p>
+            <a:r>
+              <a:rPr lang="en-US" dirty="0"/>
+              <a:t>Improves organizational learning and system thinking</a:t>
+            </a:r>
+          </a:p>
+          <a:p>
+            <a:pPr lvl="1"/>
+            <a:r>
+              <a:rPr lang="en-US" dirty="0"/>
+              <a:t>Creates a resilient organization</a:t>
+            </a:r>
+          </a:p>
+          <a:p>
+            <a:pPr lvl="1"/>
+            <a:r>
+              <a:rPr lang="en-US" dirty="0"/>
+              <a:t>Though a system will experience pitfalls, how to rebound from them will reflect on how the team runs</a:t>
+            </a:r>
+          </a:p>
+          <a:p>
+            <a:r>
+              <a:rPr lang="en-US" dirty="0"/>
+              <a:t>Strengthens staff trust and safety culture</a:t>
+            </a:r>
+          </a:p>
+          <a:p>
+            <a:pPr lvl="1"/>
+            <a:r>
+              <a:rPr lang="en-US" dirty="0"/>
+              <a:t>When an incident occurs and not one individual is pinned, it creates a culture of safety</a:t>
+            </a:r>
           </a:p>
         </p:txBody>
       </p:sp>
@@ -6511,7 +6584,54 @@
           <a:bodyPr/>
           <a:lstStyle/>
           <a:p>
-            <a:endParaRPr lang="en-US"/>
+            <a:r>
+              <a:rPr lang="en-US" b="1" dirty="0"/>
+              <a:t>Fear of punishment and blame</a:t>
+            </a:r>
+          </a:p>
+          <a:p>
+            <a:pPr lvl="1"/>
+            <a:r>
+              <a:rPr lang="en-US" dirty="0"/>
+              <a:t>A research study in Health Care workers was done to understand the challenges of a Just Culture</a:t>
+            </a:r>
+          </a:p>
+          <a:p>
+            <a:pPr lvl="1"/>
+            <a:r>
+              <a:rPr lang="en-US" dirty="0"/>
+              <a:t>“Factors such as a lack of confidence in clinical skills, more fear of shame/blame by less experienced workers, and knowledge of the existing error reporting system will influence a person’s trust in error reporting (experience)”</a:t>
+            </a:r>
+          </a:p>
+          <a:p>
+            <a:pPr lvl="1"/>
+            <a:r>
+              <a:rPr lang="en-US" dirty="0"/>
+              <a:t>This feeling can be universal whether it is in a personal setting or any professional environment</a:t>
+            </a:r>
+          </a:p>
+          <a:p>
+            <a:pPr lvl="1"/>
+            <a:r>
+              <a:rPr lang="en-US" dirty="0"/>
+              <a:t>But it is a natural need to shift blame </a:t>
+            </a:r>
+            <a:r>
+              <a:rPr lang="en-US"/>
+              <a:t>to people</a:t>
+            </a:r>
+            <a:endParaRPr lang="en-US" dirty="0"/>
+          </a:p>
+          <a:p>
+            <a:r>
+              <a:rPr lang="en-US" dirty="0"/>
+              <a:t>This can lead to </a:t>
+            </a:r>
+            <a:r>
+              <a:rPr lang="en-US" b="1" dirty="0"/>
+              <a:t>Lack of Trust and Psychological Safety</a:t>
+            </a:r>
+            <a:endParaRPr lang="en-US" dirty="0"/>
           </a:p>
         </p:txBody>
       </p:sp>
@@ -6598,7 +6718,7 @@
           <a:bodyPr/>
           <a:lstStyle/>
           <a:p>
-            <a:endParaRPr lang="en-US"/>
+            <a:endParaRPr lang="en-US" dirty="0"/>
           </a:p>
         </p:txBody>
       </p:sp>
@@ -6616,6 +6736,186 @@
 </file>
 
 <file path=ppt/slides/slide7.xml><?xml version="1.0" encoding="utf-8"?>
+<p:sld xmlns:a="http://schemas.openxmlformats.org/drawingml/2006/main" xmlns:r="http://schemas.openxmlformats.org/officeDocument/2006/relationships" xmlns:p="http://schemas.openxmlformats.org/presentationml/2006/main">
+  <p:cSld>
+    <p:spTree>
+      <p:nvGrpSpPr>
+        <p:cNvPr id="1" name=""/>
+        <p:cNvGrpSpPr/>
+        <p:nvPr/>
+      </p:nvGrpSpPr>
+      <p:grpSpPr>
+        <a:xfrm>
+          <a:off x="0" y="0"/>
+          <a:ext cx="0" cy="0"/>
+          <a:chOff x="0" y="0"/>
+          <a:chExt cx="0" cy="0"/>
+        </a:xfrm>
+      </p:grpSpPr>
+      <p:sp>
+        <p:nvSpPr>
+          <p:cNvPr id="2" name="Title 1">
+            <a:extLst>
+              <a:ext uri="{FF2B5EF4-FFF2-40B4-BE49-F238E27FC236}">
+                <a16:creationId xmlns:a16="http://schemas.microsoft.com/office/drawing/2014/main" id="{689D5ADD-C1F1-8A75-67BD-BE68E11A69BA}"/>
+              </a:ext>
+            </a:extLst>
+          </p:cNvPr>
+          <p:cNvSpPr>
+            <a:spLocks noGrp="1"/>
+          </p:cNvSpPr>
+          <p:nvPr>
+            <p:ph type="title"/>
+          </p:nvPr>
+        </p:nvSpPr>
+        <p:spPr/>
+        <p:txBody>
+          <a:bodyPr/>
+          <a:lstStyle/>
+          <a:p>
+            <a:r>
+              <a:rPr lang="en-US" dirty="0"/>
+              <a:t>Overcoming the challenges</a:t>
+            </a:r>
+          </a:p>
+        </p:txBody>
+      </p:sp>
+      <p:sp>
+        <p:nvSpPr>
+          <p:cNvPr id="3" name="Content Placeholder 2">
+            <a:extLst>
+              <a:ext uri="{FF2B5EF4-FFF2-40B4-BE49-F238E27FC236}">
+                <a16:creationId xmlns:a16="http://schemas.microsoft.com/office/drawing/2014/main" id="{37F8AF61-5DA2-FB92-CE72-D663F3494B2B}"/>
+              </a:ext>
+            </a:extLst>
+          </p:cNvPr>
+          <p:cNvSpPr>
+            <a:spLocks noGrp="1"/>
+          </p:cNvSpPr>
+          <p:nvPr>
+            <p:ph idx="1"/>
+          </p:nvPr>
+        </p:nvSpPr>
+        <p:spPr/>
+        <p:txBody>
+          <a:bodyPr/>
+          <a:lstStyle/>
+          <a:p>
+            <a:r>
+              <a:rPr lang="en-US" dirty="0"/>
+              <a:t>Blame</a:t>
+            </a:r>
+          </a:p>
+          <a:p>
+            <a:r>
+              <a:rPr lang="en-US" dirty="0"/>
+              <a:t>Lack of </a:t>
+            </a:r>
+            <a:r>
+              <a:rPr lang="en-US" dirty="0" err="1"/>
+              <a:t>Openess</a:t>
+            </a:r>
+            <a:endParaRPr lang="en-US" dirty="0"/>
+          </a:p>
+        </p:txBody>
+      </p:sp>
+    </p:spTree>
+    <p:extLst>
+      <p:ext uri="{BB962C8B-B14F-4D97-AF65-F5344CB8AC3E}">
+        <p14:creationId xmlns:p14="http://schemas.microsoft.com/office/powerpoint/2010/main" val="613999726"/>
+      </p:ext>
+    </p:extLst>
+  </p:cSld>
+  <p:clrMapOvr>
+    <a:masterClrMapping/>
+  </p:clrMapOvr>
+</p:sld>
+</file>
+
+<file path=ppt/slides/slide8.xml><?xml version="1.0" encoding="utf-8"?>
+<p:sld xmlns:a="http://schemas.openxmlformats.org/drawingml/2006/main" xmlns:r="http://schemas.openxmlformats.org/officeDocument/2006/relationships" xmlns:p="http://schemas.openxmlformats.org/presentationml/2006/main">
+  <p:cSld>
+    <p:spTree>
+      <p:nvGrpSpPr>
+        <p:cNvPr id="1" name=""/>
+        <p:cNvGrpSpPr/>
+        <p:nvPr/>
+      </p:nvGrpSpPr>
+      <p:grpSpPr>
+        <a:xfrm>
+          <a:off x="0" y="0"/>
+          <a:ext cx="0" cy="0"/>
+          <a:chOff x="0" y="0"/>
+          <a:chExt cx="0" cy="0"/>
+        </a:xfrm>
+      </p:grpSpPr>
+      <p:sp>
+        <p:nvSpPr>
+          <p:cNvPr id="2" name="Title 1">
+            <a:extLst>
+              <a:ext uri="{FF2B5EF4-FFF2-40B4-BE49-F238E27FC236}">
+                <a16:creationId xmlns:a16="http://schemas.microsoft.com/office/drawing/2014/main" id="{C28A409E-F4ED-09B4-F576-1BB23918A16E}"/>
+              </a:ext>
+            </a:extLst>
+          </p:cNvPr>
+          <p:cNvSpPr>
+            <a:spLocks noGrp="1"/>
+          </p:cNvSpPr>
+          <p:nvPr>
+            <p:ph type="title"/>
+          </p:nvPr>
+        </p:nvSpPr>
+        <p:spPr/>
+        <p:txBody>
+          <a:bodyPr/>
+          <a:lstStyle/>
+          <a:p>
+            <a:r>
+              <a:rPr lang="en-US" dirty="0"/>
+              <a:t>Key Take Aways</a:t>
+            </a:r>
+          </a:p>
+        </p:txBody>
+      </p:sp>
+      <p:sp>
+        <p:nvSpPr>
+          <p:cNvPr id="3" name="Content Placeholder 2">
+            <a:extLst>
+              <a:ext uri="{FF2B5EF4-FFF2-40B4-BE49-F238E27FC236}">
+                <a16:creationId xmlns:a16="http://schemas.microsoft.com/office/drawing/2014/main" id="{4215E42D-2A27-6166-BA8A-04D79377A927}"/>
+              </a:ext>
+            </a:extLst>
+          </p:cNvPr>
+          <p:cNvSpPr>
+            <a:spLocks noGrp="1"/>
+          </p:cNvSpPr>
+          <p:nvPr>
+            <p:ph idx="1"/>
+          </p:nvPr>
+        </p:nvSpPr>
+        <p:spPr/>
+        <p:txBody>
+          <a:bodyPr/>
+          <a:lstStyle/>
+          <a:p>
+            <a:endParaRPr lang="en-US"/>
+          </a:p>
+        </p:txBody>
+      </p:sp>
+    </p:spTree>
+    <p:extLst>
+      <p:ext uri="{BB962C8B-B14F-4D97-AF65-F5344CB8AC3E}">
+        <p14:creationId xmlns:p14="http://schemas.microsoft.com/office/powerpoint/2010/main" val="1624211332"/>
+      </p:ext>
+    </p:extLst>
+  </p:cSld>
+  <p:clrMapOvr>
+    <a:masterClrMapping/>
+  </p:clrMapOvr>
+</p:sld>
+</file>
+
+<file path=ppt/slides/slide9.xml><?xml version="1.0" encoding="utf-8"?>
 <p:sld xmlns:a="http://schemas.openxmlformats.org/drawingml/2006/main" xmlns:r="http://schemas.openxmlformats.org/officeDocument/2006/relationships" xmlns:p="http://schemas.openxmlformats.org/presentationml/2006/main">
   <p:cSld>
     <p:spTree>

--- a/module-9/Faison_M9_EstablishLearningCulture.pptx
+++ b/module-9/Faison_M9_EstablishLearningCulture.pptx
@@ -6718,7 +6718,31 @@
           <a:bodyPr/>
           <a:lstStyle/>
           <a:p>
-            <a:endParaRPr lang="en-US" dirty="0"/>
+            <a:r>
+              <a:rPr lang="en-US" dirty="0"/>
+              <a:t>Resource Constraints</a:t>
+            </a:r>
+          </a:p>
+          <a:p>
+            <a:pPr lvl="1"/>
+            <a:r>
+              <a:rPr lang="en-US" dirty="0"/>
+              <a:t>Having limited time, spending, or any resource it can be easy for a team to shift their values </a:t>
+            </a:r>
+          </a:p>
+          <a:p>
+            <a:pPr lvl="1"/>
+            <a:r>
+              <a:rPr lang="en-US" dirty="0"/>
+              <a:t>Where the team may know what is just however can not adhere to them because of the restraints </a:t>
+            </a:r>
+          </a:p>
+          <a:p>
+            <a:pPr lvl="1"/>
+            <a:r>
+              <a:rPr lang="en-US" dirty="0"/>
+              <a:t>On the other end of the process, if there is something that goes wrong, they may not have time to reflect and learn from those events</a:t>
+            </a:r>
           </a:p>
         </p:txBody>
       </p:sp>
@@ -6807,15 +6831,38 @@
             </a:r>
           </a:p>
           <a:p>
+            <a:pPr lvl="1"/>
             <a:r>
               <a:rPr lang="en-US" dirty="0"/>
-              <a:t>Lack of </a:t>
-            </a:r>
-            <a:r>
-              <a:rPr lang="en-US" dirty="0" err="1"/>
-              <a:t>Openess</a:t>
-            </a:r>
-            <a:endParaRPr lang="en-US" dirty="0"/>
+              <a:t>Avoid snappy and quick judgements</a:t>
+            </a:r>
+          </a:p>
+          <a:p>
+            <a:pPr lvl="1"/>
+            <a:r>
+              <a:rPr lang="en-US" dirty="0"/>
+              <a:t>Identify areas of weakness rather than problems of people</a:t>
+            </a:r>
+          </a:p>
+          <a:p>
+            <a:r>
+              <a:rPr lang="en-US" dirty="0"/>
+              <a:t>Lack of Openness</a:t>
+            </a:r>
+          </a:p>
+          <a:p>
+            <a:pPr lvl="1"/>
+            <a:r>
+              <a:rPr lang="en-US" dirty="0"/>
+              <a:t>Make it available to team how to make an appropriate response if something goes bad</a:t>
+            </a:r>
+          </a:p>
+          <a:p>
+            <a:pPr lvl="1"/>
+            <a:r>
+              <a:rPr lang="en-US" dirty="0"/>
+              <a:t>Establish leadership, communication methods and other forms of structure from the start</a:t>
+            </a:r>
           </a:p>
         </p:txBody>
       </p:sp>
@@ -6898,7 +6945,28 @@
           <a:bodyPr/>
           <a:lstStyle/>
           <a:p>
-            <a:endParaRPr lang="en-US"/>
+            <a:r>
+              <a:rPr lang="en-US" dirty="0"/>
+              <a:t>DevOps is more than its technical knowledge and dense know how</a:t>
+            </a:r>
+          </a:p>
+          <a:p>
+            <a:r>
+              <a:rPr lang="en-US" dirty="0"/>
+              <a:t>It requires a cultural shift within the organization</a:t>
+            </a:r>
+          </a:p>
+          <a:p>
+            <a:r>
+              <a:rPr lang="en-US" dirty="0"/>
+              <a:t>Openness is key</a:t>
+            </a:r>
+          </a:p>
+          <a:p>
+            <a:r>
+              <a:rPr lang="en-US" dirty="0"/>
+              <a:t>The culture is how the status quo is changed</a:t>
+            </a:r>
           </a:p>
         </p:txBody>
       </p:sp>
@@ -6986,7 +7054,7 @@
         <p:spPr/>
         <p:txBody>
           <a:bodyPr>
-            <a:normAutofit fontScale="62500" lnSpcReduction="20000"/>
+            <a:normAutofit fontScale="70000" lnSpcReduction="20000"/>
           </a:bodyPr>
           <a:lstStyle/>
           <a:p>
@@ -7114,6 +7182,15 @@
             <a:pPr marL="0" indent="0">
               <a:buNone/>
             </a:pPr>
+            <a:r>
+              <a:rPr lang="en-US" sz="1600" dirty="0"/>
+              <a:t>Yuson, I. G. (2024, April 12). DevOps: not a role, but a culture - Ingenuity - Medium. Medium; Ingenuity. https://medium.com/ingenuity-ph/devops-not-a-role-but-a-culture-5fe016b3626f</a:t>
+            </a:r>
+          </a:p>
+          <a:p>
+            <a:pPr marL="0" indent="0">
+              <a:buNone/>
+            </a:pPr>
             <a:endParaRPr lang="en-US" sz="1600" dirty="0"/>
           </a:p>
           <a:p>
@@ -7124,36 +7201,6 @@
               <a:rPr lang="en-US" sz="1600" dirty="0"/>
               <a:t>‌</a:t>
             </a:r>
-          </a:p>
-          <a:p>
-            <a:pPr marL="0" indent="0">
-              <a:buNone/>
-            </a:pPr>
-            <a:endParaRPr lang="en-US" sz="1600" dirty="0"/>
-          </a:p>
-          <a:p>
-            <a:pPr marL="0" indent="0">
-              <a:buNone/>
-            </a:pPr>
-            <a:r>
-              <a:rPr lang="en-US" sz="1600" dirty="0"/>
-              <a:t>‌</a:t>
-            </a:r>
-          </a:p>
-          <a:p>
-            <a:pPr marL="0" indent="0">
-              <a:buNone/>
-            </a:pPr>
-            <a:r>
-              <a:rPr lang="en-US" sz="1600" dirty="0"/>
-              <a:t>‌</a:t>
-            </a:r>
-          </a:p>
-          <a:p>
-            <a:pPr marL="0" indent="0">
-              <a:buNone/>
-            </a:pPr>
-            <a:endParaRPr lang="en-US" sz="1600" dirty="0"/>
           </a:p>
         </p:txBody>
       </p:sp>
